--- a/Course Content/Final Presentation Template.pptx
+++ b/Course Content/Final Presentation Template.pptx
@@ -1236,6 +1236,30 @@
             <pc:docMk/>
             <pc:sldMk cId="1165180528" sldId="259"/>
             <ac:spMk id="5" creationId="{C4BACE1F-EB2C-4EA1-AFF4-75E37EC1915A}"/>
+          </ac:spMkLst>
+        </pc:spChg>
+      </pc:sldChg>
+    </pc:docChg>
+  </pc:docChgLst>
+  <pc:docChgLst>
+    <pc:chgData name="Martin Schray" userId="bf4f4853c980e97a" providerId="LiveId" clId="{A74AF4A9-D90A-499D-A0AF-911533A67F35}"/>
+    <pc:docChg chg="modSld">
+      <pc:chgData name="Martin Schray" userId="bf4f4853c980e97a" providerId="LiveId" clId="{A74AF4A9-D90A-499D-A0AF-911533A67F35}" dt="2022-11-09T00:27:30.185" v="5" actId="6549"/>
+      <pc:docMkLst>
+        <pc:docMk/>
+      </pc:docMkLst>
+      <pc:sldChg chg="modSp mod">
+        <pc:chgData name="Martin Schray" userId="bf4f4853c980e97a" providerId="LiveId" clId="{A74AF4A9-D90A-499D-A0AF-911533A67F35}" dt="2022-11-09T00:27:30.185" v="5" actId="6549"/>
+        <pc:sldMkLst>
+          <pc:docMk/>
+          <pc:sldMk cId="2243168155" sldId="258"/>
+        </pc:sldMkLst>
+        <pc:spChg chg="mod">
+          <ac:chgData name="Martin Schray" userId="bf4f4853c980e97a" providerId="LiveId" clId="{A74AF4A9-D90A-499D-A0AF-911533A67F35}" dt="2022-11-09T00:27:30.185" v="5" actId="6549"/>
+          <ac:spMkLst>
+            <pc:docMk/>
+            <pc:sldMk cId="2243168155" sldId="258"/>
+            <ac:spMk id="3" creationId="{DE9327BE-297C-4D62-B6D4-AE460E4985EA}"/>
           </ac:spMkLst>
         </pc:spChg>
       </pc:sldChg>
@@ -1635,7 +1659,7 @@
           <a:p>
             <a:fld id="{12241623-A064-4BED-B073-BA4D61433402}" type="datetime1">
               <a:rPr lang="en-US" smtClean="0"/>
-              <a:t>11/2/2021</a:t>
+              <a:t>11/8/2022</a:t>
             </a:fld>
             <a:endParaRPr lang="en-US" dirty="0"/>
           </a:p>
@@ -2446,7 +2470,7 @@
           <a:p>
             <a:fld id="{6F86ED0C-1DA7-41F0-94CF-6218B1FEDFF1}" type="datetime1">
               <a:rPr lang="en-US" smtClean="0"/>
-              <a:t>11/2/2021</a:t>
+              <a:t>11/8/2022</a:t>
             </a:fld>
             <a:endParaRPr lang="en-US" dirty="0"/>
           </a:p>
@@ -2645,7 +2669,7 @@
           <a:p>
             <a:fld id="{EECF02AB-6034-4B88-BC5A-7C17CB0EF809}" type="datetime1">
               <a:rPr lang="en-US" smtClean="0"/>
-              <a:t>11/2/2021</a:t>
+              <a:t>11/8/2022</a:t>
             </a:fld>
             <a:endParaRPr lang="en-US" dirty="0"/>
           </a:p>
@@ -2880,7 +2904,7 @@
           <a:p>
             <a:fld id="{22F3E5F3-28EE-488F-BD53-B744C06C3DEC}" type="datetime1">
               <a:rPr lang="en-US" smtClean="0"/>
-              <a:t>11/2/2021</a:t>
+              <a:t>11/8/2022</a:t>
             </a:fld>
             <a:endParaRPr lang="en-US" dirty="0"/>
           </a:p>
@@ -5573,7 +5597,7 @@
           <a:p>
             <a:fld id="{E72EB70D-CD01-44DA-83B3-8FEB3383D307}" type="datetime1">
               <a:rPr lang="en-US" smtClean="0"/>
-              <a:t>11/2/2021</a:t>
+              <a:t>11/8/2022</a:t>
             </a:fld>
             <a:endParaRPr lang="en-US" dirty="0"/>
           </a:p>
@@ -5769,7 +5793,7 @@
           <a:p>
             <a:fld id="{D0158CFD-9357-46BE-A189-D637A67C8730}" type="datetime1">
               <a:rPr lang="en-US" smtClean="0"/>
-              <a:t>11/2/2021</a:t>
+              <a:t>11/8/2022</a:t>
             </a:fld>
             <a:endParaRPr lang="en-US" dirty="0"/>
           </a:p>
@@ -6158,7 +6182,7 @@
           <a:p>
             <a:fld id="{7B4742EE-B331-4632-BD10-A82FED6B6FC0}" type="datetime1">
               <a:rPr lang="en-US" smtClean="0"/>
-              <a:t>11/2/2021</a:t>
+              <a:t>11/8/2022</a:t>
             </a:fld>
             <a:endParaRPr lang="en-US" dirty="0"/>
           </a:p>
@@ -6324,7 +6348,7 @@
           <a:p>
             <a:fld id="{451BA835-D13F-49F4-8F11-5D576AC65FAD}" type="datetime1">
               <a:rPr lang="en-US" smtClean="0"/>
-              <a:t>11/2/2021</a:t>
+              <a:t>11/8/2022</a:t>
             </a:fld>
             <a:endParaRPr lang="en-US" dirty="0"/>
           </a:p>
@@ -6447,7 +6471,7 @@
           <a:p>
             <a:fld id="{ADBD1799-ACB5-4CB2-86A2-5C574F1C8706}" type="datetime1">
               <a:rPr lang="en-US" smtClean="0"/>
-              <a:t>11/2/2021</a:t>
+              <a:t>11/8/2022</a:t>
             </a:fld>
             <a:endParaRPr lang="en-US" dirty="0"/>
           </a:p>
@@ -6757,7 +6781,7 @@
           <a:p>
             <a:fld id="{ED5DD0D6-7A82-473E-879B-C6ECD6CCCFEC}" type="datetime1">
               <a:rPr lang="en-US" smtClean="0"/>
-              <a:t>11/2/2021</a:t>
+              <a:t>11/8/2022</a:t>
             </a:fld>
             <a:endParaRPr lang="en-US" dirty="0"/>
           </a:p>
@@ -7057,7 +7081,7 @@
           <a:p>
             <a:fld id="{D4605E03-BC17-41A7-854C-DFAB672737DC}" type="datetime1">
               <a:rPr lang="en-US" smtClean="0"/>
-              <a:t>11/2/2021</a:t>
+              <a:t>11/8/2022</a:t>
             </a:fld>
             <a:endParaRPr lang="en-US" dirty="0"/>
           </a:p>
@@ -7309,7 +7333,7 @@
           <a:p>
             <a:fld id="{C4408324-A84C-4A45-93B6-78D079CCE772}" type="datetime1">
               <a:rPr lang="en-US" smtClean="0"/>
-              <a:t>11/2/2021</a:t>
+              <a:t>11/8/2022</a:t>
             </a:fld>
             <a:endParaRPr lang="en-US" dirty="0"/>
           </a:p>
@@ -8661,7 +8685,7 @@
               <a:rPr lang="en-US" sz="1300" dirty="0">
                 <a:latin typeface="Calibri" panose="020F0502020204030204" pitchFamily="34" charset="0"/>
               </a:rPr>
-              <a:t>11/16 – Present draft run to your instructor</a:t>
+              <a:t>11/15 – Present draft run to your instructor</a:t>
             </a:r>
           </a:p>
           <a:p>
@@ -8676,7 +8700,7 @@
               <a:rPr lang="en-US" sz="1300" dirty="0">
                 <a:latin typeface="Calibri" panose="020F0502020204030204" pitchFamily="34" charset="0"/>
               </a:rPr>
-              <a:t>11/30 – Presenting to the entire class</a:t>
+              <a:t>11/29 – Presenting to the entire class</a:t>
             </a:r>
           </a:p>
           <a:p>
